--- a/docs/OSM.pptx
+++ b/docs/OSM.pptx
@@ -5,11 +5,12 @@
     <p:sldMasterId id="2147483648" r:id="rId1"/>
   </p:sldMasterIdLst>
   <p:notesMasterIdLst>
-    <p:notesMasterId r:id="rId4"/>
+    <p:notesMasterId r:id="rId5"/>
   </p:notesMasterIdLst>
   <p:sldIdLst>
     <p:sldId id="256" r:id="rId2"/>
     <p:sldId id="257" r:id="rId3"/>
+    <p:sldId id="258" r:id="rId4"/>
   </p:sldIdLst>
   <p:sldSz cx="12192000" cy="6858000"/>
   <p:notesSz cx="6858000" cy="9144000"/>
@@ -119,9 +120,13 @@
         <p14:section name="Changeset Visualization" id="{4E66A777-8AC6-694A-B813-F69ACA65E7E6}">
           <p14:sldIdLst>
             <p14:sldId id="257"/>
+            <p14:sldId id="258"/>
           </p14:sldIdLst>
         </p14:section>
       </p14:sectionLst>
+    </p:ext>
+    <p:ext uri="{EFAFB233-063F-42B5-8137-9DF3F51BA10A}">
+      <p15:sldGuideLst xmlns:p15="http://schemas.microsoft.com/office/powerpoint/2012/main"/>
     </p:ext>
   </p:extLst>
 </p:presentation>
@@ -209,7 +214,7 @@
           <a:p>
             <a:fld id="{7EC1C3FA-F866-3A49-BCD2-E1A3C1E0DE05}" type="datetimeFigureOut">
               <a:rPr lang="sk-SK" smtClean="0"/>
-              <a:t>5.4.21</a:t>
+              <a:t>6.10.21</a:t>
             </a:fld>
             <a:endParaRPr lang="sk-SK"/>
           </a:p>
@@ -710,7 +715,7 @@
           <a:p>
             <a:fld id="{5B2CC658-67DD-F34D-A83A-F47706160672}" type="datetimeFigureOut">
               <a:rPr lang="sk-SK" smtClean="0"/>
-              <a:t>5.4.21</a:t>
+              <a:t>6.10.21</a:t>
             </a:fld>
             <a:endParaRPr lang="sk-SK"/>
           </a:p>
@@ -910,7 +915,7 @@
           <a:p>
             <a:fld id="{5B2CC658-67DD-F34D-A83A-F47706160672}" type="datetimeFigureOut">
               <a:rPr lang="sk-SK" smtClean="0"/>
-              <a:t>5.4.21</a:t>
+              <a:t>6.10.21</a:t>
             </a:fld>
             <a:endParaRPr lang="sk-SK"/>
           </a:p>
@@ -1120,7 +1125,7 @@
           <a:p>
             <a:fld id="{5B2CC658-67DD-F34D-A83A-F47706160672}" type="datetimeFigureOut">
               <a:rPr lang="sk-SK" smtClean="0"/>
-              <a:t>5.4.21</a:t>
+              <a:t>6.10.21</a:t>
             </a:fld>
             <a:endParaRPr lang="sk-SK"/>
           </a:p>
@@ -1320,7 +1325,7 @@
           <a:p>
             <a:fld id="{5B2CC658-67DD-F34D-A83A-F47706160672}" type="datetimeFigureOut">
               <a:rPr lang="sk-SK" smtClean="0"/>
-              <a:t>5.4.21</a:t>
+              <a:t>6.10.21</a:t>
             </a:fld>
             <a:endParaRPr lang="sk-SK"/>
           </a:p>
@@ -1596,7 +1601,7 @@
           <a:p>
             <a:fld id="{5B2CC658-67DD-F34D-A83A-F47706160672}" type="datetimeFigureOut">
               <a:rPr lang="sk-SK" smtClean="0"/>
-              <a:t>5.4.21</a:t>
+              <a:t>6.10.21</a:t>
             </a:fld>
             <a:endParaRPr lang="sk-SK"/>
           </a:p>
@@ -1864,7 +1869,7 @@
           <a:p>
             <a:fld id="{5B2CC658-67DD-F34D-A83A-F47706160672}" type="datetimeFigureOut">
               <a:rPr lang="sk-SK" smtClean="0"/>
-              <a:t>5.4.21</a:t>
+              <a:t>6.10.21</a:t>
             </a:fld>
             <a:endParaRPr lang="sk-SK"/>
           </a:p>
@@ -2279,7 +2284,7 @@
           <a:p>
             <a:fld id="{5B2CC658-67DD-F34D-A83A-F47706160672}" type="datetimeFigureOut">
               <a:rPr lang="sk-SK" smtClean="0"/>
-              <a:t>5.4.21</a:t>
+              <a:t>6.10.21</a:t>
             </a:fld>
             <a:endParaRPr lang="sk-SK"/>
           </a:p>
@@ -2421,7 +2426,7 @@
           <a:p>
             <a:fld id="{5B2CC658-67DD-F34D-A83A-F47706160672}" type="datetimeFigureOut">
               <a:rPr lang="sk-SK" smtClean="0"/>
-              <a:t>5.4.21</a:t>
+              <a:t>6.10.21</a:t>
             </a:fld>
             <a:endParaRPr lang="sk-SK"/>
           </a:p>
@@ -2534,7 +2539,7 @@
           <a:p>
             <a:fld id="{5B2CC658-67DD-F34D-A83A-F47706160672}" type="datetimeFigureOut">
               <a:rPr lang="sk-SK" smtClean="0"/>
-              <a:t>5.4.21</a:t>
+              <a:t>6.10.21</a:t>
             </a:fld>
             <a:endParaRPr lang="sk-SK"/>
           </a:p>
@@ -2847,7 +2852,7 @@
           <a:p>
             <a:fld id="{5B2CC658-67DD-F34D-A83A-F47706160672}" type="datetimeFigureOut">
               <a:rPr lang="sk-SK" smtClean="0"/>
-              <a:t>5.4.21</a:t>
+              <a:t>6.10.21</a:t>
             </a:fld>
             <a:endParaRPr lang="sk-SK"/>
           </a:p>
@@ -3136,7 +3141,7 @@
           <a:p>
             <a:fld id="{5B2CC658-67DD-F34D-A83A-F47706160672}" type="datetimeFigureOut">
               <a:rPr lang="sk-SK" smtClean="0"/>
-              <a:t>5.4.21</a:t>
+              <a:t>6.10.21</a:t>
             </a:fld>
             <a:endParaRPr lang="sk-SK"/>
           </a:p>
@@ -3379,7 +3384,7 @@
           <a:p>
             <a:fld id="{5B2CC658-67DD-F34D-A83A-F47706160672}" type="datetimeFigureOut">
               <a:rPr lang="sk-SK" smtClean="0"/>
-              <a:t>5.4.21</a:t>
+              <a:t>6.10.21</a:t>
             </a:fld>
             <a:endParaRPr lang="sk-SK"/>
           </a:p>
@@ -4974,6 +4979,484 @@
       <p:bldP spid="4" grpId="0"/>
     </p:bldLst>
   </p:timing>
+</p:sld>
+</file>
+
+<file path=ppt/slides/slide3.xml><?xml version="1.0" encoding="utf-8"?>
+<p:sld xmlns:a="http://schemas.openxmlformats.org/drawingml/2006/main" xmlns:r="http://schemas.openxmlformats.org/officeDocument/2006/relationships" xmlns:p="http://schemas.openxmlformats.org/presentationml/2006/main">
+  <p:cSld>
+    <p:bg>
+      <p:bgPr>
+        <a:solidFill>
+          <a:schemeClr val="bg1"/>
+        </a:solidFill>
+        <a:effectLst/>
+      </p:bgPr>
+    </p:bg>
+    <p:spTree>
+      <p:nvGrpSpPr>
+        <p:cNvPr id="1" name=""/>
+        <p:cNvGrpSpPr/>
+        <p:nvPr/>
+      </p:nvGrpSpPr>
+      <p:grpSpPr>
+        <a:xfrm>
+          <a:off x="0" y="0"/>
+          <a:ext cx="0" cy="0"/>
+          <a:chOff x="0" y="0"/>
+          <a:chExt cx="0" cy="0"/>
+        </a:xfrm>
+      </p:grpSpPr>
+      <p:sp useBgFill="1">
+        <p:nvSpPr>
+          <p:cNvPr id="9" name="Rectangle 8">
+            <a:extLst>
+              <a:ext uri="{FF2B5EF4-FFF2-40B4-BE49-F238E27FC236}">
+                <a16:creationId xmlns:a16="http://schemas.microsoft.com/office/drawing/2014/main" id="{2B97F24A-32CE-4C1C-A50D-3016B394DCFB}"/>
+              </a:ext>
+              <a:ext uri="{C183D7F6-B498-43B3-948B-1728B52AA6E4}">
+                <adec:decorative xmlns:adec="http://schemas.microsoft.com/office/drawing/2017/decorative" val="1"/>
+              </a:ext>
+            </a:extLst>
+          </p:cNvPr>
+          <p:cNvSpPr>
+            <a:spLocks noGrp="1" noRot="1" noChangeAspect="1" noMove="1" noResize="1" noEditPoints="1" noAdjustHandles="1" noChangeArrowheads="1" noChangeShapeType="1" noTextEdit="1"/>
+          </p:cNvSpPr>
+          <p:nvPr>
+            <p:extLst>
+              <p:ext uri="{386F3935-93C4-4BCD-93E2-E3B085C9AB24}">
+                <p16:designElem xmlns:p16="http://schemas.microsoft.com/office/powerpoint/2015/main" val="1"/>
+              </p:ext>
+            </p:extLst>
+          </p:nvPr>
+        </p:nvSpPr>
+        <p:spPr>
+          <a:xfrm>
+            <a:off x="0" y="0"/>
+            <a:ext cx="12192000" cy="6858000"/>
+          </a:xfrm>
+          <a:prstGeom prst="rect">
+            <a:avLst/>
+          </a:prstGeom>
+          <a:ln>
+            <a:noFill/>
+          </a:ln>
+        </p:spPr>
+        <p:style>
+          <a:lnRef idx="2">
+            <a:schemeClr val="accent1">
+              <a:shade val="50000"/>
+            </a:schemeClr>
+          </a:lnRef>
+          <a:fillRef idx="1">
+            <a:schemeClr val="accent1"/>
+          </a:fillRef>
+          <a:effectRef idx="0">
+            <a:schemeClr val="accent1"/>
+          </a:effectRef>
+          <a:fontRef idx="minor">
+            <a:schemeClr val="lt1"/>
+          </a:fontRef>
+        </p:style>
+        <p:txBody>
+          <a:bodyPr rtlCol="0" anchor="ctr"/>
+          <a:lstStyle/>
+          <a:p>
+            <a:pPr algn="ctr"/>
+            <a:endParaRPr lang="en-US"/>
+          </a:p>
+        </p:txBody>
+      </p:sp>
+      <p:sp>
+        <p:nvSpPr>
+          <p:cNvPr id="2" name="Title 1">
+            <a:extLst>
+              <a:ext uri="{FF2B5EF4-FFF2-40B4-BE49-F238E27FC236}">
+                <a16:creationId xmlns:a16="http://schemas.microsoft.com/office/drawing/2014/main" id="{BDFFC1A0-CC79-824D-8BC6-B098FB34A6ED}"/>
+              </a:ext>
+            </a:extLst>
+          </p:cNvPr>
+          <p:cNvSpPr>
+            <a:spLocks noGrp="1"/>
+          </p:cNvSpPr>
+          <p:nvPr>
+            <p:ph type="title"/>
+          </p:nvPr>
+        </p:nvSpPr>
+        <p:spPr>
+          <a:xfrm>
+            <a:off x="630936" y="639520"/>
+            <a:ext cx="3429000" cy="1719072"/>
+          </a:xfrm>
+        </p:spPr>
+        <p:txBody>
+          <a:bodyPr anchor="b">
+            <a:normAutofit/>
+          </a:bodyPr>
+          <a:lstStyle/>
+          <a:p>
+            <a:r>
+              <a:rPr lang="sk-SK" sz="5400" dirty="0" err="1"/>
+              <a:t>taginfo</a:t>
+            </a:r>
+            <a:endParaRPr lang="sk-SK" sz="5400" dirty="0"/>
+          </a:p>
+        </p:txBody>
+      </p:sp>
+      <p:sp>
+        <p:nvSpPr>
+          <p:cNvPr id="11" name="sketch line">
+            <a:extLst>
+              <a:ext uri="{FF2B5EF4-FFF2-40B4-BE49-F238E27FC236}">
+                <a16:creationId xmlns:a16="http://schemas.microsoft.com/office/drawing/2014/main" id="{CD8B4F24-440B-49E9-B85D-733523DC064B}"/>
+              </a:ext>
+              <a:ext uri="{C183D7F6-B498-43B3-948B-1728B52AA6E4}">
+                <adec:decorative xmlns:adec="http://schemas.microsoft.com/office/drawing/2017/decorative" val="1"/>
+              </a:ext>
+            </a:extLst>
+          </p:cNvPr>
+          <p:cNvSpPr>
+            <a:spLocks noGrp="1" noRot="1" noChangeAspect="1" noMove="1" noResize="1" noEditPoints="1" noAdjustHandles="1" noChangeArrowheads="1" noChangeShapeType="1" noTextEdit="1"/>
+          </p:cNvSpPr>
+          <p:nvPr>
+            <p:extLst>
+              <p:ext uri="{386F3935-93C4-4BCD-93E2-E3B085C9AB24}">
+                <p16:designElem xmlns:p16="http://schemas.microsoft.com/office/powerpoint/2015/main" val="1"/>
+              </p:ext>
+            </p:extLst>
+          </p:nvPr>
+        </p:nvSpPr>
+        <p:spPr>
+          <a:xfrm>
+            <a:off x="643278" y="2573756"/>
+            <a:ext cx="3255095" cy="18288"/>
+          </a:xfrm>
+          <a:custGeom>
+            <a:avLst/>
+            <a:gdLst>
+              <a:gd name="connsiteX0" fmla="*/ 0 w 3255095"/>
+              <a:gd name="connsiteY0" fmla="*/ 0 h 18288"/>
+              <a:gd name="connsiteX1" fmla="*/ 618468 w 3255095"/>
+              <a:gd name="connsiteY1" fmla="*/ 0 h 18288"/>
+              <a:gd name="connsiteX2" fmla="*/ 1269487 w 3255095"/>
+              <a:gd name="connsiteY2" fmla="*/ 0 h 18288"/>
+              <a:gd name="connsiteX3" fmla="*/ 1953057 w 3255095"/>
+              <a:gd name="connsiteY3" fmla="*/ 0 h 18288"/>
+              <a:gd name="connsiteX4" fmla="*/ 2636627 w 3255095"/>
+              <a:gd name="connsiteY4" fmla="*/ 0 h 18288"/>
+              <a:gd name="connsiteX5" fmla="*/ 3255095 w 3255095"/>
+              <a:gd name="connsiteY5" fmla="*/ 0 h 18288"/>
+              <a:gd name="connsiteX6" fmla="*/ 3255095 w 3255095"/>
+              <a:gd name="connsiteY6" fmla="*/ 18288 h 18288"/>
+              <a:gd name="connsiteX7" fmla="*/ 2538974 w 3255095"/>
+              <a:gd name="connsiteY7" fmla="*/ 18288 h 18288"/>
+              <a:gd name="connsiteX8" fmla="*/ 1822853 w 3255095"/>
+              <a:gd name="connsiteY8" fmla="*/ 18288 h 18288"/>
+              <a:gd name="connsiteX9" fmla="*/ 1171834 w 3255095"/>
+              <a:gd name="connsiteY9" fmla="*/ 18288 h 18288"/>
+              <a:gd name="connsiteX10" fmla="*/ 0 w 3255095"/>
+              <a:gd name="connsiteY10" fmla="*/ 18288 h 18288"/>
+              <a:gd name="connsiteX11" fmla="*/ 0 w 3255095"/>
+              <a:gd name="connsiteY11" fmla="*/ 0 h 18288"/>
+            </a:gdLst>
+            <a:ahLst/>
+            <a:cxnLst>
+              <a:cxn ang="0">
+                <a:pos x="connsiteX0" y="connsiteY0"/>
+              </a:cxn>
+              <a:cxn ang="0">
+                <a:pos x="connsiteX1" y="connsiteY1"/>
+              </a:cxn>
+              <a:cxn ang="0">
+                <a:pos x="connsiteX2" y="connsiteY2"/>
+              </a:cxn>
+              <a:cxn ang="0">
+                <a:pos x="connsiteX3" y="connsiteY3"/>
+              </a:cxn>
+              <a:cxn ang="0">
+                <a:pos x="connsiteX4" y="connsiteY4"/>
+              </a:cxn>
+              <a:cxn ang="0">
+                <a:pos x="connsiteX5" y="connsiteY5"/>
+              </a:cxn>
+              <a:cxn ang="0">
+                <a:pos x="connsiteX6" y="connsiteY6"/>
+              </a:cxn>
+              <a:cxn ang="0">
+                <a:pos x="connsiteX7" y="connsiteY7"/>
+              </a:cxn>
+              <a:cxn ang="0">
+                <a:pos x="connsiteX8" y="connsiteY8"/>
+              </a:cxn>
+              <a:cxn ang="0">
+                <a:pos x="connsiteX9" y="connsiteY9"/>
+              </a:cxn>
+              <a:cxn ang="0">
+                <a:pos x="connsiteX10" y="connsiteY10"/>
+              </a:cxn>
+              <a:cxn ang="0">
+                <a:pos x="connsiteX11" y="connsiteY11"/>
+              </a:cxn>
+            </a:cxnLst>
+            <a:rect l="l" t="t" r="r" b="b"/>
+            <a:pathLst>
+              <a:path w="3255095" h="18288" fill="none" extrusionOk="0">
+                <a:moveTo>
+                  <a:pt x="0" y="0"/>
+                </a:moveTo>
+                <a:cubicBezTo>
+                  <a:pt x="240201" y="-22123"/>
+                  <a:pt x="462021" y="-19623"/>
+                  <a:pt x="618468" y="0"/>
+                </a:cubicBezTo>
+                <a:cubicBezTo>
+                  <a:pt x="774915" y="19623"/>
+                  <a:pt x="974734" y="2035"/>
+                  <a:pt x="1269487" y="0"/>
+                </a:cubicBezTo>
+                <a:cubicBezTo>
+                  <a:pt x="1564240" y="-2035"/>
+                  <a:pt x="1733579" y="10639"/>
+                  <a:pt x="1953057" y="0"/>
+                </a:cubicBezTo>
+                <a:cubicBezTo>
+                  <a:pt x="2172535" y="-10639"/>
+                  <a:pt x="2453962" y="14018"/>
+                  <a:pt x="2636627" y="0"/>
+                </a:cubicBezTo>
+                <a:cubicBezTo>
+                  <a:pt x="2819292" y="-14018"/>
+                  <a:pt x="3121375" y="5399"/>
+                  <a:pt x="3255095" y="0"/>
+                </a:cubicBezTo>
+                <a:cubicBezTo>
+                  <a:pt x="3254386" y="8157"/>
+                  <a:pt x="3254682" y="12125"/>
+                  <a:pt x="3255095" y="18288"/>
+                </a:cubicBezTo>
+                <a:cubicBezTo>
+                  <a:pt x="3088545" y="23203"/>
+                  <a:pt x="2687475" y="7419"/>
+                  <a:pt x="2538974" y="18288"/>
+                </a:cubicBezTo>
+                <a:cubicBezTo>
+                  <a:pt x="2390473" y="29157"/>
+                  <a:pt x="2137381" y="-8959"/>
+                  <a:pt x="1822853" y="18288"/>
+                </a:cubicBezTo>
+                <a:cubicBezTo>
+                  <a:pt x="1508325" y="45535"/>
+                  <a:pt x="1466437" y="20385"/>
+                  <a:pt x="1171834" y="18288"/>
+                </a:cubicBezTo>
+                <a:cubicBezTo>
+                  <a:pt x="877231" y="16191"/>
+                  <a:pt x="561097" y="37643"/>
+                  <a:pt x="0" y="18288"/>
+                </a:cubicBezTo>
+                <a:cubicBezTo>
+                  <a:pt x="-46" y="12483"/>
+                  <a:pt x="-203" y="6491"/>
+                  <a:pt x="0" y="0"/>
+                </a:cubicBezTo>
+                <a:close/>
+              </a:path>
+              <a:path w="3255095" h="18288" stroke="0" extrusionOk="0">
+                <a:moveTo>
+                  <a:pt x="0" y="0"/>
+                </a:moveTo>
+                <a:cubicBezTo>
+                  <a:pt x="291965" y="19429"/>
+                  <a:pt x="363155" y="8568"/>
+                  <a:pt x="618468" y="0"/>
+                </a:cubicBezTo>
+                <a:cubicBezTo>
+                  <a:pt x="873781" y="-8568"/>
+                  <a:pt x="904459" y="-19505"/>
+                  <a:pt x="1171834" y="0"/>
+                </a:cubicBezTo>
+                <a:cubicBezTo>
+                  <a:pt x="1439209" y="19505"/>
+                  <a:pt x="1744369" y="9790"/>
+                  <a:pt x="1887955" y="0"/>
+                </a:cubicBezTo>
+                <a:cubicBezTo>
+                  <a:pt x="2031541" y="-9790"/>
+                  <a:pt x="2346378" y="21240"/>
+                  <a:pt x="2506423" y="0"/>
+                </a:cubicBezTo>
+                <a:cubicBezTo>
+                  <a:pt x="2666468" y="-21240"/>
+                  <a:pt x="2990257" y="30414"/>
+                  <a:pt x="3255095" y="0"/>
+                </a:cubicBezTo>
+                <a:cubicBezTo>
+                  <a:pt x="3254831" y="4493"/>
+                  <a:pt x="3255479" y="9472"/>
+                  <a:pt x="3255095" y="18288"/>
+                </a:cubicBezTo>
+                <a:cubicBezTo>
+                  <a:pt x="3120743" y="16690"/>
+                  <a:pt x="2759628" y="42462"/>
+                  <a:pt x="2604076" y="18288"/>
+                </a:cubicBezTo>
+                <a:cubicBezTo>
+                  <a:pt x="2448524" y="-5886"/>
+                  <a:pt x="2184336" y="19599"/>
+                  <a:pt x="1887955" y="18288"/>
+                </a:cubicBezTo>
+                <a:cubicBezTo>
+                  <a:pt x="1591574" y="16977"/>
+                  <a:pt x="1548845" y="6870"/>
+                  <a:pt x="1334589" y="18288"/>
+                </a:cubicBezTo>
+                <a:cubicBezTo>
+                  <a:pt x="1120333" y="29706"/>
+                  <a:pt x="996014" y="9662"/>
+                  <a:pt x="683570" y="18288"/>
+                </a:cubicBezTo>
+                <a:cubicBezTo>
+                  <a:pt x="371126" y="26914"/>
+                  <a:pt x="198687" y="16167"/>
+                  <a:pt x="0" y="18288"/>
+                </a:cubicBezTo>
+                <a:cubicBezTo>
+                  <a:pt x="843" y="9577"/>
+                  <a:pt x="371" y="6900"/>
+                  <a:pt x="0" y="0"/>
+                </a:cubicBezTo>
+                <a:close/>
+              </a:path>
+            </a:pathLst>
+          </a:custGeom>
+          <a:solidFill>
+            <a:schemeClr val="accent2"/>
+          </a:solidFill>
+          <a:ln w="38100" cap="rnd">
+            <a:solidFill>
+              <a:schemeClr val="accent2"/>
+            </a:solidFill>
+            <a:round/>
+            <a:extLst>
+              <a:ext uri="{C807C97D-BFC1-408E-A445-0C87EB9F89A2}">
+                <ask:lineSketchStyleProps xmlns:ask="http://schemas.microsoft.com/office/drawing/2018/sketchyshapes" sd="1219033472">
+                  <a:prstGeom prst="rect">
+                    <a:avLst/>
+                  </a:prstGeom>
+                  <ask:type>
+                    <ask:lineSketchFreehand/>
+                  </ask:type>
+                </ask:lineSketchStyleProps>
+              </a:ext>
+            </a:extLst>
+          </a:ln>
+        </p:spPr>
+        <p:style>
+          <a:lnRef idx="2">
+            <a:schemeClr val="accent1">
+              <a:shade val="50000"/>
+            </a:schemeClr>
+          </a:lnRef>
+          <a:fillRef idx="1">
+            <a:schemeClr val="accent1"/>
+          </a:fillRef>
+          <a:effectRef idx="0">
+            <a:schemeClr val="accent1"/>
+          </a:effectRef>
+          <a:fontRef idx="minor">
+            <a:schemeClr val="lt1"/>
+          </a:fontRef>
+        </p:style>
+        <p:txBody>
+          <a:bodyPr rtlCol="0" anchor="ctr"/>
+          <a:lstStyle/>
+          <a:p>
+            <a:pPr algn="ctr"/>
+            <a:endParaRPr lang="en-US"/>
+          </a:p>
+        </p:txBody>
+      </p:sp>
+      <p:sp>
+        <p:nvSpPr>
+          <p:cNvPr id="3" name="Content Placeholder 2">
+            <a:extLst>
+              <a:ext uri="{FF2B5EF4-FFF2-40B4-BE49-F238E27FC236}">
+                <a16:creationId xmlns:a16="http://schemas.microsoft.com/office/drawing/2014/main" id="{DA9962FF-4CB6-F64E-A6A2-E4A413FA9C1C}"/>
+              </a:ext>
+            </a:extLst>
+          </p:cNvPr>
+          <p:cNvSpPr>
+            <a:spLocks noGrp="1"/>
+          </p:cNvSpPr>
+          <p:nvPr>
+            <p:ph idx="1"/>
+          </p:nvPr>
+        </p:nvSpPr>
+        <p:spPr>
+          <a:xfrm>
+            <a:off x="630936" y="2807208"/>
+            <a:ext cx="3429000" cy="3410712"/>
+          </a:xfrm>
+        </p:spPr>
+        <p:txBody>
+          <a:bodyPr anchor="t">
+            <a:normAutofit/>
+          </a:bodyPr>
+          <a:lstStyle/>
+          <a:p>
+            <a:r>
+              <a:rPr lang="sk-SK" sz="2200" dirty="0">
+                <a:hlinkClick r:id="rId2"/>
+              </a:rPr>
+              <a:t>https://taginfo.openstreetmap.org/</a:t>
+            </a:r>
+            <a:endParaRPr lang="sk-SK" sz="2200" dirty="0"/>
+          </a:p>
+          <a:p>
+            <a:endParaRPr lang="sk-SK" sz="2200" dirty="0"/>
+          </a:p>
+        </p:txBody>
+      </p:sp>
+      <p:pic>
+        <p:nvPicPr>
+          <p:cNvPr id="4" name="Picture 3">
+            <a:extLst>
+              <a:ext uri="{FF2B5EF4-FFF2-40B4-BE49-F238E27FC236}">
+                <a16:creationId xmlns:a16="http://schemas.microsoft.com/office/drawing/2014/main" id="{D2EEE7C9-FCCC-DE42-8CBB-BB51F2D1D24D}"/>
+              </a:ext>
+            </a:extLst>
+          </p:cNvPr>
+          <p:cNvPicPr>
+            <a:picLocks noChangeAspect="1"/>
+          </p:cNvPicPr>
+          <p:nvPr/>
+        </p:nvPicPr>
+        <p:blipFill>
+          <a:blip r:embed="rId3"/>
+          <a:stretch>
+            <a:fillRect/>
+          </a:stretch>
+        </p:blipFill>
+        <p:spPr>
+          <a:xfrm>
+            <a:off x="4654296" y="986810"/>
+            <a:ext cx="6903720" cy="4884380"/>
+          </a:xfrm>
+          <a:prstGeom prst="rect">
+            <a:avLst/>
+          </a:prstGeom>
+        </p:spPr>
+      </p:pic>
+    </p:spTree>
+    <p:extLst>
+      <p:ext uri="{BB962C8B-B14F-4D97-AF65-F5344CB8AC3E}">
+        <p14:creationId xmlns:p14="http://schemas.microsoft.com/office/powerpoint/2010/main" val="189403919"/>
+      </p:ext>
+    </p:extLst>
+  </p:cSld>
+  <p:clrMapOvr>
+    <a:masterClrMapping/>
+  </p:clrMapOvr>
 </p:sld>
 </file>
 
